--- a/docs/Update_20Mar2020.pptx
+++ b/docs/Update_20Mar2020.pptx
@@ -6,7 +6,10 @@
   </p:sldMasterIdLst>
   <p:sldIdLst>
     <p:sldId id="256" r:id="rId2"/>
-    <p:sldId id="257" r:id="rId3"/>
+    <p:sldId id="258" r:id="rId3"/>
+    <p:sldId id="259" r:id="rId4"/>
+    <p:sldId id="260" r:id="rId5"/>
+    <p:sldId id="257" r:id="rId6"/>
   </p:sldIdLst>
   <p:sldSz cx="12192000" cy="6858000"/>
   <p:notesSz cx="6858000" cy="9144000"/>
@@ -130,7 +133,7 @@
           <p:cNvPr id="2" name="Title 1">
             <a:extLst>
               <a:ext uri="{FF2B5EF4-FFF2-40B4-BE49-F238E27FC236}">
-                <a16:creationId xmlns:a16="http://schemas.microsoft.com/office/drawing/2014/main" id="{1E78CF75-C2FC-4CE4-B452-F11C2F3CAD2A}"/>
+                <a16:creationId xmlns:a16="http://schemas.microsoft.com/office/drawing/2014/main" xmlns="" id="{1E78CF75-C2FC-4CE4-B452-F11C2F3CAD2A}"/>
               </a:ext>
             </a:extLst>
           </p:cNvPr>
@@ -168,7 +171,7 @@
           <p:cNvPr id="3" name="Subtitle 2">
             <a:extLst>
               <a:ext uri="{FF2B5EF4-FFF2-40B4-BE49-F238E27FC236}">
-                <a16:creationId xmlns:a16="http://schemas.microsoft.com/office/drawing/2014/main" id="{3460B33A-2688-43F3-B3F0-640D798869B1}"/>
+                <a16:creationId xmlns:a16="http://schemas.microsoft.com/office/drawing/2014/main" xmlns="" id="{3460B33A-2688-43F3-B3F0-640D798869B1}"/>
               </a:ext>
             </a:extLst>
           </p:cNvPr>
@@ -239,7 +242,7 @@
           <p:cNvPr id="4" name="Date Placeholder 3">
             <a:extLst>
               <a:ext uri="{FF2B5EF4-FFF2-40B4-BE49-F238E27FC236}">
-                <a16:creationId xmlns:a16="http://schemas.microsoft.com/office/drawing/2014/main" id="{6A64E833-2166-4A55-91FA-218116E2EC77}"/>
+                <a16:creationId xmlns:a16="http://schemas.microsoft.com/office/drawing/2014/main" xmlns="" id="{6A64E833-2166-4A55-91FA-218116E2EC77}"/>
               </a:ext>
             </a:extLst>
           </p:cNvPr>
@@ -257,7 +260,7 @@
           <a:p>
             <a:fld id="{51C5386E-A22A-498D-ACA3-656AFD3A9E3A}" type="datetimeFigureOut">
               <a:rPr lang="en-SG" smtClean="0"/>
-              <a:t>17/3/2020</a:t>
+              <a:t>19/3/2020</a:t>
             </a:fld>
             <a:endParaRPr lang="en-SG"/>
           </a:p>
@@ -268,7 +271,7 @@
           <p:cNvPr id="5" name="Footer Placeholder 4">
             <a:extLst>
               <a:ext uri="{FF2B5EF4-FFF2-40B4-BE49-F238E27FC236}">
-                <a16:creationId xmlns:a16="http://schemas.microsoft.com/office/drawing/2014/main" id="{02C5652B-980A-48DE-8F3E-E043BE9A1C56}"/>
+                <a16:creationId xmlns:a16="http://schemas.microsoft.com/office/drawing/2014/main" xmlns="" id="{02C5652B-980A-48DE-8F3E-E043BE9A1C56}"/>
               </a:ext>
             </a:extLst>
           </p:cNvPr>
@@ -293,7 +296,7 @@
           <p:cNvPr id="6" name="Slide Number Placeholder 5">
             <a:extLst>
               <a:ext uri="{FF2B5EF4-FFF2-40B4-BE49-F238E27FC236}">
-                <a16:creationId xmlns:a16="http://schemas.microsoft.com/office/drawing/2014/main" id="{B6BDA15D-38FA-45F4-82C5-244AD1D691CE}"/>
+                <a16:creationId xmlns:a16="http://schemas.microsoft.com/office/drawing/2014/main" xmlns="" id="{B6BDA15D-38FA-45F4-82C5-244AD1D691CE}"/>
               </a:ext>
             </a:extLst>
           </p:cNvPr>
@@ -352,7 +355,7 @@
           <p:cNvPr id="2" name="Title 1">
             <a:extLst>
               <a:ext uri="{FF2B5EF4-FFF2-40B4-BE49-F238E27FC236}">
-                <a16:creationId xmlns:a16="http://schemas.microsoft.com/office/drawing/2014/main" id="{1A8FD9CD-5B12-4C49-B3ED-314EE3B4AEF1}"/>
+                <a16:creationId xmlns:a16="http://schemas.microsoft.com/office/drawing/2014/main" xmlns="" id="{1A8FD9CD-5B12-4C49-B3ED-314EE3B4AEF1}"/>
               </a:ext>
             </a:extLst>
           </p:cNvPr>
@@ -381,7 +384,7 @@
           <p:cNvPr id="3" name="Vertical Text Placeholder 2">
             <a:extLst>
               <a:ext uri="{FF2B5EF4-FFF2-40B4-BE49-F238E27FC236}">
-                <a16:creationId xmlns:a16="http://schemas.microsoft.com/office/drawing/2014/main" id="{74539DB5-57AF-4F9A-856C-262759C12054}"/>
+                <a16:creationId xmlns:a16="http://schemas.microsoft.com/office/drawing/2014/main" xmlns="" id="{74539DB5-57AF-4F9A-856C-262759C12054}"/>
               </a:ext>
             </a:extLst>
           </p:cNvPr>
@@ -439,7 +442,7 @@
           <p:cNvPr id="4" name="Date Placeholder 3">
             <a:extLst>
               <a:ext uri="{FF2B5EF4-FFF2-40B4-BE49-F238E27FC236}">
-                <a16:creationId xmlns:a16="http://schemas.microsoft.com/office/drawing/2014/main" id="{3B1AE4F1-94F3-42BC-AD6B-280D0472160D}"/>
+                <a16:creationId xmlns:a16="http://schemas.microsoft.com/office/drawing/2014/main" xmlns="" id="{3B1AE4F1-94F3-42BC-AD6B-280D0472160D}"/>
               </a:ext>
             </a:extLst>
           </p:cNvPr>
@@ -457,7 +460,7 @@
           <a:p>
             <a:fld id="{51C5386E-A22A-498D-ACA3-656AFD3A9E3A}" type="datetimeFigureOut">
               <a:rPr lang="en-SG" smtClean="0"/>
-              <a:t>17/3/2020</a:t>
+              <a:t>19/3/2020</a:t>
             </a:fld>
             <a:endParaRPr lang="en-SG"/>
           </a:p>
@@ -468,7 +471,7 @@
           <p:cNvPr id="5" name="Footer Placeholder 4">
             <a:extLst>
               <a:ext uri="{FF2B5EF4-FFF2-40B4-BE49-F238E27FC236}">
-                <a16:creationId xmlns:a16="http://schemas.microsoft.com/office/drawing/2014/main" id="{E7DCE1FB-3C25-451D-9035-575AA718CB97}"/>
+                <a16:creationId xmlns:a16="http://schemas.microsoft.com/office/drawing/2014/main" xmlns="" id="{E7DCE1FB-3C25-451D-9035-575AA718CB97}"/>
               </a:ext>
             </a:extLst>
           </p:cNvPr>
@@ -493,7 +496,7 @@
           <p:cNvPr id="6" name="Slide Number Placeholder 5">
             <a:extLst>
               <a:ext uri="{FF2B5EF4-FFF2-40B4-BE49-F238E27FC236}">
-                <a16:creationId xmlns:a16="http://schemas.microsoft.com/office/drawing/2014/main" id="{29857517-172E-460E-9CDA-2901211B8A43}"/>
+                <a16:creationId xmlns:a16="http://schemas.microsoft.com/office/drawing/2014/main" xmlns="" id="{29857517-172E-460E-9CDA-2901211B8A43}"/>
               </a:ext>
             </a:extLst>
           </p:cNvPr>
@@ -552,7 +555,7 @@
           <p:cNvPr id="2" name="Vertical Title 1">
             <a:extLst>
               <a:ext uri="{FF2B5EF4-FFF2-40B4-BE49-F238E27FC236}">
-                <a16:creationId xmlns:a16="http://schemas.microsoft.com/office/drawing/2014/main" id="{59B322C4-7763-44FF-A660-25457A24186F}"/>
+                <a16:creationId xmlns:a16="http://schemas.microsoft.com/office/drawing/2014/main" xmlns="" id="{59B322C4-7763-44FF-A660-25457A24186F}"/>
               </a:ext>
             </a:extLst>
           </p:cNvPr>
@@ -586,7 +589,7 @@
           <p:cNvPr id="3" name="Vertical Text Placeholder 2">
             <a:extLst>
               <a:ext uri="{FF2B5EF4-FFF2-40B4-BE49-F238E27FC236}">
-                <a16:creationId xmlns:a16="http://schemas.microsoft.com/office/drawing/2014/main" id="{331113DA-1DE1-4485-AF13-5B2CD8E51E04}"/>
+                <a16:creationId xmlns:a16="http://schemas.microsoft.com/office/drawing/2014/main" xmlns="" id="{331113DA-1DE1-4485-AF13-5B2CD8E51E04}"/>
               </a:ext>
             </a:extLst>
           </p:cNvPr>
@@ -649,7 +652,7 @@
           <p:cNvPr id="4" name="Date Placeholder 3">
             <a:extLst>
               <a:ext uri="{FF2B5EF4-FFF2-40B4-BE49-F238E27FC236}">
-                <a16:creationId xmlns:a16="http://schemas.microsoft.com/office/drawing/2014/main" id="{6841E282-CD5F-418D-B7D6-73CB4139F485}"/>
+                <a16:creationId xmlns:a16="http://schemas.microsoft.com/office/drawing/2014/main" xmlns="" id="{6841E282-CD5F-418D-B7D6-73CB4139F485}"/>
               </a:ext>
             </a:extLst>
           </p:cNvPr>
@@ -667,7 +670,7 @@
           <a:p>
             <a:fld id="{51C5386E-A22A-498D-ACA3-656AFD3A9E3A}" type="datetimeFigureOut">
               <a:rPr lang="en-SG" smtClean="0"/>
-              <a:t>17/3/2020</a:t>
+              <a:t>19/3/2020</a:t>
             </a:fld>
             <a:endParaRPr lang="en-SG"/>
           </a:p>
@@ -678,7 +681,7 @@
           <p:cNvPr id="5" name="Footer Placeholder 4">
             <a:extLst>
               <a:ext uri="{FF2B5EF4-FFF2-40B4-BE49-F238E27FC236}">
-                <a16:creationId xmlns:a16="http://schemas.microsoft.com/office/drawing/2014/main" id="{A728F281-5986-4AF4-BB11-2501F282CCD6}"/>
+                <a16:creationId xmlns:a16="http://schemas.microsoft.com/office/drawing/2014/main" xmlns="" id="{A728F281-5986-4AF4-BB11-2501F282CCD6}"/>
               </a:ext>
             </a:extLst>
           </p:cNvPr>
@@ -703,7 +706,7 @@
           <p:cNvPr id="6" name="Slide Number Placeholder 5">
             <a:extLst>
               <a:ext uri="{FF2B5EF4-FFF2-40B4-BE49-F238E27FC236}">
-                <a16:creationId xmlns:a16="http://schemas.microsoft.com/office/drawing/2014/main" id="{19CB3860-D4A3-4BBD-8084-488E66868054}"/>
+                <a16:creationId xmlns:a16="http://schemas.microsoft.com/office/drawing/2014/main" xmlns="" id="{19CB3860-D4A3-4BBD-8084-488E66868054}"/>
               </a:ext>
             </a:extLst>
           </p:cNvPr>
@@ -762,7 +765,7 @@
           <p:cNvPr id="2" name="Title 1">
             <a:extLst>
               <a:ext uri="{FF2B5EF4-FFF2-40B4-BE49-F238E27FC236}">
-                <a16:creationId xmlns:a16="http://schemas.microsoft.com/office/drawing/2014/main" id="{D119B07F-59F9-4FC9-81C0-CE1AAD87443E}"/>
+                <a16:creationId xmlns:a16="http://schemas.microsoft.com/office/drawing/2014/main" xmlns="" id="{D119B07F-59F9-4FC9-81C0-CE1AAD87443E}"/>
               </a:ext>
             </a:extLst>
           </p:cNvPr>
@@ -796,7 +799,7 @@
           <p:cNvPr id="3" name="Content Placeholder 2">
             <a:extLst>
               <a:ext uri="{FF2B5EF4-FFF2-40B4-BE49-F238E27FC236}">
-                <a16:creationId xmlns:a16="http://schemas.microsoft.com/office/drawing/2014/main" id="{85D5EFBE-E73A-4B69-8567-F864C97949F2}"/>
+                <a16:creationId xmlns:a16="http://schemas.microsoft.com/office/drawing/2014/main" xmlns="" id="{85D5EFBE-E73A-4B69-8567-F864C97949F2}"/>
               </a:ext>
             </a:extLst>
           </p:cNvPr>
@@ -859,7 +862,7 @@
           <p:cNvPr id="4" name="Date Placeholder 3">
             <a:extLst>
               <a:ext uri="{FF2B5EF4-FFF2-40B4-BE49-F238E27FC236}">
-                <a16:creationId xmlns:a16="http://schemas.microsoft.com/office/drawing/2014/main" id="{7B28E07E-F4CC-4131-9EFE-EC749462857F}"/>
+                <a16:creationId xmlns:a16="http://schemas.microsoft.com/office/drawing/2014/main" xmlns="" id="{7B28E07E-F4CC-4131-9EFE-EC749462857F}"/>
               </a:ext>
             </a:extLst>
           </p:cNvPr>
@@ -877,7 +880,7 @@
           <a:p>
             <a:fld id="{51C5386E-A22A-498D-ACA3-656AFD3A9E3A}" type="datetimeFigureOut">
               <a:rPr lang="en-SG" smtClean="0"/>
-              <a:t>17/3/2020</a:t>
+              <a:t>19/3/2020</a:t>
             </a:fld>
             <a:endParaRPr lang="en-SG"/>
           </a:p>
@@ -888,7 +891,7 @@
           <p:cNvPr id="5" name="Footer Placeholder 4">
             <a:extLst>
               <a:ext uri="{FF2B5EF4-FFF2-40B4-BE49-F238E27FC236}">
-                <a16:creationId xmlns:a16="http://schemas.microsoft.com/office/drawing/2014/main" id="{0DE0E6C7-82AA-45A7-9479-9F488F060BEE}"/>
+                <a16:creationId xmlns:a16="http://schemas.microsoft.com/office/drawing/2014/main" xmlns="" id="{0DE0E6C7-82AA-45A7-9479-9F488F060BEE}"/>
               </a:ext>
             </a:extLst>
           </p:cNvPr>
@@ -913,7 +916,7 @@
           <p:cNvPr id="6" name="Slide Number Placeholder 5">
             <a:extLst>
               <a:ext uri="{FF2B5EF4-FFF2-40B4-BE49-F238E27FC236}">
-                <a16:creationId xmlns:a16="http://schemas.microsoft.com/office/drawing/2014/main" id="{1BE0699D-8392-4B84-AB3A-BC422A4C18B0}"/>
+                <a16:creationId xmlns:a16="http://schemas.microsoft.com/office/drawing/2014/main" xmlns="" id="{1BE0699D-8392-4B84-AB3A-BC422A4C18B0}"/>
               </a:ext>
             </a:extLst>
           </p:cNvPr>
@@ -972,7 +975,7 @@
           <p:cNvPr id="2" name="Title 1">
             <a:extLst>
               <a:ext uri="{FF2B5EF4-FFF2-40B4-BE49-F238E27FC236}">
-                <a16:creationId xmlns:a16="http://schemas.microsoft.com/office/drawing/2014/main" id="{28860B17-99D5-4175-89C5-4A4ACBCF15AF}"/>
+                <a16:creationId xmlns:a16="http://schemas.microsoft.com/office/drawing/2014/main" xmlns="" id="{28860B17-99D5-4175-89C5-4A4ACBCF15AF}"/>
               </a:ext>
             </a:extLst>
           </p:cNvPr>
@@ -1010,7 +1013,7 @@
           <p:cNvPr id="3" name="Text Placeholder 2">
             <a:extLst>
               <a:ext uri="{FF2B5EF4-FFF2-40B4-BE49-F238E27FC236}">
-                <a16:creationId xmlns:a16="http://schemas.microsoft.com/office/drawing/2014/main" id="{3CB4447C-4382-42B4-98A2-40EF6E3B3B2D}"/>
+                <a16:creationId xmlns:a16="http://schemas.microsoft.com/office/drawing/2014/main" xmlns="" id="{3CB4447C-4382-42B4-98A2-40EF6E3B3B2D}"/>
               </a:ext>
             </a:extLst>
           </p:cNvPr>
@@ -1135,7 +1138,7 @@
           <p:cNvPr id="4" name="Date Placeholder 3">
             <a:extLst>
               <a:ext uri="{FF2B5EF4-FFF2-40B4-BE49-F238E27FC236}">
-                <a16:creationId xmlns:a16="http://schemas.microsoft.com/office/drawing/2014/main" id="{77B7F673-72FB-470D-814C-9279741463AE}"/>
+                <a16:creationId xmlns:a16="http://schemas.microsoft.com/office/drawing/2014/main" xmlns="" id="{77B7F673-72FB-470D-814C-9279741463AE}"/>
               </a:ext>
             </a:extLst>
           </p:cNvPr>
@@ -1153,7 +1156,7 @@
           <a:p>
             <a:fld id="{51C5386E-A22A-498D-ACA3-656AFD3A9E3A}" type="datetimeFigureOut">
               <a:rPr lang="en-SG" smtClean="0"/>
-              <a:t>17/3/2020</a:t>
+              <a:t>19/3/2020</a:t>
             </a:fld>
             <a:endParaRPr lang="en-SG"/>
           </a:p>
@@ -1164,7 +1167,7 @@
           <p:cNvPr id="5" name="Footer Placeholder 4">
             <a:extLst>
               <a:ext uri="{FF2B5EF4-FFF2-40B4-BE49-F238E27FC236}">
-                <a16:creationId xmlns:a16="http://schemas.microsoft.com/office/drawing/2014/main" id="{9B999FA6-55AF-4C57-96B7-051870F34D3A}"/>
+                <a16:creationId xmlns:a16="http://schemas.microsoft.com/office/drawing/2014/main" xmlns="" id="{9B999FA6-55AF-4C57-96B7-051870F34D3A}"/>
               </a:ext>
             </a:extLst>
           </p:cNvPr>
@@ -1189,7 +1192,7 @@
           <p:cNvPr id="6" name="Slide Number Placeholder 5">
             <a:extLst>
               <a:ext uri="{FF2B5EF4-FFF2-40B4-BE49-F238E27FC236}">
-                <a16:creationId xmlns:a16="http://schemas.microsoft.com/office/drawing/2014/main" id="{D1D06210-F1E5-4221-B5F6-00EBF45C6FFA}"/>
+                <a16:creationId xmlns:a16="http://schemas.microsoft.com/office/drawing/2014/main" xmlns="" id="{D1D06210-F1E5-4221-B5F6-00EBF45C6FFA}"/>
               </a:ext>
             </a:extLst>
           </p:cNvPr>
@@ -1248,7 +1251,7 @@
           <p:cNvPr id="2" name="Title 1">
             <a:extLst>
               <a:ext uri="{FF2B5EF4-FFF2-40B4-BE49-F238E27FC236}">
-                <a16:creationId xmlns:a16="http://schemas.microsoft.com/office/drawing/2014/main" id="{8BFFC664-487A-4A70-B46E-EB089C868748}"/>
+                <a16:creationId xmlns:a16="http://schemas.microsoft.com/office/drawing/2014/main" xmlns="" id="{8BFFC664-487A-4A70-B46E-EB089C868748}"/>
               </a:ext>
             </a:extLst>
           </p:cNvPr>
@@ -1277,7 +1280,7 @@
           <p:cNvPr id="3" name="Content Placeholder 2">
             <a:extLst>
               <a:ext uri="{FF2B5EF4-FFF2-40B4-BE49-F238E27FC236}">
-                <a16:creationId xmlns:a16="http://schemas.microsoft.com/office/drawing/2014/main" id="{149D28A0-426F-446D-9EF7-21025A167690}"/>
+                <a16:creationId xmlns:a16="http://schemas.microsoft.com/office/drawing/2014/main" xmlns="" id="{149D28A0-426F-446D-9EF7-21025A167690}"/>
               </a:ext>
             </a:extLst>
           </p:cNvPr>
@@ -1340,7 +1343,7 @@
           <p:cNvPr id="4" name="Content Placeholder 3">
             <a:extLst>
               <a:ext uri="{FF2B5EF4-FFF2-40B4-BE49-F238E27FC236}">
-                <a16:creationId xmlns:a16="http://schemas.microsoft.com/office/drawing/2014/main" id="{E7925E0E-22C7-4C50-B1E2-E55D75C2419D}"/>
+                <a16:creationId xmlns:a16="http://schemas.microsoft.com/office/drawing/2014/main" xmlns="" id="{E7925E0E-22C7-4C50-B1E2-E55D75C2419D}"/>
               </a:ext>
             </a:extLst>
           </p:cNvPr>
@@ -1403,7 +1406,7 @@
           <p:cNvPr id="5" name="Date Placeholder 4">
             <a:extLst>
               <a:ext uri="{FF2B5EF4-FFF2-40B4-BE49-F238E27FC236}">
-                <a16:creationId xmlns:a16="http://schemas.microsoft.com/office/drawing/2014/main" id="{57036464-D97D-4521-9B63-036FEF9EC14C}"/>
+                <a16:creationId xmlns:a16="http://schemas.microsoft.com/office/drawing/2014/main" xmlns="" id="{57036464-D97D-4521-9B63-036FEF9EC14C}"/>
               </a:ext>
             </a:extLst>
           </p:cNvPr>
@@ -1421,7 +1424,7 @@
           <a:p>
             <a:fld id="{51C5386E-A22A-498D-ACA3-656AFD3A9E3A}" type="datetimeFigureOut">
               <a:rPr lang="en-SG" smtClean="0"/>
-              <a:t>17/3/2020</a:t>
+              <a:t>19/3/2020</a:t>
             </a:fld>
             <a:endParaRPr lang="en-SG"/>
           </a:p>
@@ -1432,7 +1435,7 @@
           <p:cNvPr id="6" name="Footer Placeholder 5">
             <a:extLst>
               <a:ext uri="{FF2B5EF4-FFF2-40B4-BE49-F238E27FC236}">
-                <a16:creationId xmlns:a16="http://schemas.microsoft.com/office/drawing/2014/main" id="{A72F7925-E947-4C4E-B53F-2BBC14F0EFFB}"/>
+                <a16:creationId xmlns:a16="http://schemas.microsoft.com/office/drawing/2014/main" xmlns="" id="{A72F7925-E947-4C4E-B53F-2BBC14F0EFFB}"/>
               </a:ext>
             </a:extLst>
           </p:cNvPr>
@@ -1457,7 +1460,7 @@
           <p:cNvPr id="7" name="Slide Number Placeholder 6">
             <a:extLst>
               <a:ext uri="{FF2B5EF4-FFF2-40B4-BE49-F238E27FC236}">
-                <a16:creationId xmlns:a16="http://schemas.microsoft.com/office/drawing/2014/main" id="{FE02781B-D73B-4BE5-99B5-9BE50BD9268B}"/>
+                <a16:creationId xmlns:a16="http://schemas.microsoft.com/office/drawing/2014/main" xmlns="" id="{FE02781B-D73B-4BE5-99B5-9BE50BD9268B}"/>
               </a:ext>
             </a:extLst>
           </p:cNvPr>
@@ -1516,7 +1519,7 @@
           <p:cNvPr id="2" name="Title 1">
             <a:extLst>
               <a:ext uri="{FF2B5EF4-FFF2-40B4-BE49-F238E27FC236}">
-                <a16:creationId xmlns:a16="http://schemas.microsoft.com/office/drawing/2014/main" id="{26B2C40A-1A9E-4C03-962E-4352531D590E}"/>
+                <a16:creationId xmlns:a16="http://schemas.microsoft.com/office/drawing/2014/main" xmlns="" id="{26B2C40A-1A9E-4C03-962E-4352531D590E}"/>
               </a:ext>
             </a:extLst>
           </p:cNvPr>
@@ -1550,7 +1553,7 @@
           <p:cNvPr id="3" name="Text Placeholder 2">
             <a:extLst>
               <a:ext uri="{FF2B5EF4-FFF2-40B4-BE49-F238E27FC236}">
-                <a16:creationId xmlns:a16="http://schemas.microsoft.com/office/drawing/2014/main" id="{EE11FFD1-E770-488C-913A-817613001E39}"/>
+                <a16:creationId xmlns:a16="http://schemas.microsoft.com/office/drawing/2014/main" xmlns="" id="{EE11FFD1-E770-488C-913A-817613001E39}"/>
               </a:ext>
             </a:extLst>
           </p:cNvPr>
@@ -1621,7 +1624,7 @@
           <p:cNvPr id="4" name="Content Placeholder 3">
             <a:extLst>
               <a:ext uri="{FF2B5EF4-FFF2-40B4-BE49-F238E27FC236}">
-                <a16:creationId xmlns:a16="http://schemas.microsoft.com/office/drawing/2014/main" id="{948B8DF4-FD09-4665-AAB1-E7F8C85B98D6}"/>
+                <a16:creationId xmlns:a16="http://schemas.microsoft.com/office/drawing/2014/main" xmlns="" id="{948B8DF4-FD09-4665-AAB1-E7F8C85B98D6}"/>
               </a:ext>
             </a:extLst>
           </p:cNvPr>
@@ -1684,7 +1687,7 @@
           <p:cNvPr id="5" name="Text Placeholder 4">
             <a:extLst>
               <a:ext uri="{FF2B5EF4-FFF2-40B4-BE49-F238E27FC236}">
-                <a16:creationId xmlns:a16="http://schemas.microsoft.com/office/drawing/2014/main" id="{03DB36B6-321E-4089-9B1D-746055B66B99}"/>
+                <a16:creationId xmlns:a16="http://schemas.microsoft.com/office/drawing/2014/main" xmlns="" id="{03DB36B6-321E-4089-9B1D-746055B66B99}"/>
               </a:ext>
             </a:extLst>
           </p:cNvPr>
@@ -1755,7 +1758,7 @@
           <p:cNvPr id="6" name="Content Placeholder 5">
             <a:extLst>
               <a:ext uri="{FF2B5EF4-FFF2-40B4-BE49-F238E27FC236}">
-                <a16:creationId xmlns:a16="http://schemas.microsoft.com/office/drawing/2014/main" id="{E082D31C-A998-4505-A94F-06751C9325AB}"/>
+                <a16:creationId xmlns:a16="http://schemas.microsoft.com/office/drawing/2014/main" xmlns="" id="{E082D31C-A998-4505-A94F-06751C9325AB}"/>
               </a:ext>
             </a:extLst>
           </p:cNvPr>
@@ -1818,7 +1821,7 @@
           <p:cNvPr id="7" name="Date Placeholder 6">
             <a:extLst>
               <a:ext uri="{FF2B5EF4-FFF2-40B4-BE49-F238E27FC236}">
-                <a16:creationId xmlns:a16="http://schemas.microsoft.com/office/drawing/2014/main" id="{C3EA214D-E04E-4BD1-8F20-C3CFDCF3EEFC}"/>
+                <a16:creationId xmlns:a16="http://schemas.microsoft.com/office/drawing/2014/main" xmlns="" id="{C3EA214D-E04E-4BD1-8F20-C3CFDCF3EEFC}"/>
               </a:ext>
             </a:extLst>
           </p:cNvPr>
@@ -1836,7 +1839,7 @@
           <a:p>
             <a:fld id="{51C5386E-A22A-498D-ACA3-656AFD3A9E3A}" type="datetimeFigureOut">
               <a:rPr lang="en-SG" smtClean="0"/>
-              <a:t>17/3/2020</a:t>
+              <a:t>19/3/2020</a:t>
             </a:fld>
             <a:endParaRPr lang="en-SG"/>
           </a:p>
@@ -1847,7 +1850,7 @@
           <p:cNvPr id="8" name="Footer Placeholder 7">
             <a:extLst>
               <a:ext uri="{FF2B5EF4-FFF2-40B4-BE49-F238E27FC236}">
-                <a16:creationId xmlns:a16="http://schemas.microsoft.com/office/drawing/2014/main" id="{62E94A67-00CB-4587-9423-8068907870E3}"/>
+                <a16:creationId xmlns:a16="http://schemas.microsoft.com/office/drawing/2014/main" xmlns="" id="{62E94A67-00CB-4587-9423-8068907870E3}"/>
               </a:ext>
             </a:extLst>
           </p:cNvPr>
@@ -1872,7 +1875,7 @@
           <p:cNvPr id="9" name="Slide Number Placeholder 8">
             <a:extLst>
               <a:ext uri="{FF2B5EF4-FFF2-40B4-BE49-F238E27FC236}">
-                <a16:creationId xmlns:a16="http://schemas.microsoft.com/office/drawing/2014/main" id="{8E997082-8BAB-4A30-B61A-0E956B938D8F}"/>
+                <a16:creationId xmlns:a16="http://schemas.microsoft.com/office/drawing/2014/main" xmlns="" id="{8E997082-8BAB-4A30-B61A-0E956B938D8F}"/>
               </a:ext>
             </a:extLst>
           </p:cNvPr>
@@ -1931,7 +1934,7 @@
           <p:cNvPr id="2" name="Title 1">
             <a:extLst>
               <a:ext uri="{FF2B5EF4-FFF2-40B4-BE49-F238E27FC236}">
-                <a16:creationId xmlns:a16="http://schemas.microsoft.com/office/drawing/2014/main" id="{DE81B467-2EE4-462A-8043-AF60A7D0BAF4}"/>
+                <a16:creationId xmlns:a16="http://schemas.microsoft.com/office/drawing/2014/main" xmlns="" id="{DE81B467-2EE4-462A-8043-AF60A7D0BAF4}"/>
               </a:ext>
             </a:extLst>
           </p:cNvPr>
@@ -1960,7 +1963,7 @@
           <p:cNvPr id="3" name="Date Placeholder 2">
             <a:extLst>
               <a:ext uri="{FF2B5EF4-FFF2-40B4-BE49-F238E27FC236}">
-                <a16:creationId xmlns:a16="http://schemas.microsoft.com/office/drawing/2014/main" id="{FBFA6204-B265-42E9-BA33-04B24A2310EE}"/>
+                <a16:creationId xmlns:a16="http://schemas.microsoft.com/office/drawing/2014/main" xmlns="" id="{FBFA6204-B265-42E9-BA33-04B24A2310EE}"/>
               </a:ext>
             </a:extLst>
           </p:cNvPr>
@@ -1978,7 +1981,7 @@
           <a:p>
             <a:fld id="{51C5386E-A22A-498D-ACA3-656AFD3A9E3A}" type="datetimeFigureOut">
               <a:rPr lang="en-SG" smtClean="0"/>
-              <a:t>17/3/2020</a:t>
+              <a:t>19/3/2020</a:t>
             </a:fld>
             <a:endParaRPr lang="en-SG"/>
           </a:p>
@@ -1989,7 +1992,7 @@
           <p:cNvPr id="4" name="Footer Placeholder 3">
             <a:extLst>
               <a:ext uri="{FF2B5EF4-FFF2-40B4-BE49-F238E27FC236}">
-                <a16:creationId xmlns:a16="http://schemas.microsoft.com/office/drawing/2014/main" id="{9C11814F-9234-4C0A-8E31-D1AE2BB7A9B5}"/>
+                <a16:creationId xmlns:a16="http://schemas.microsoft.com/office/drawing/2014/main" xmlns="" id="{9C11814F-9234-4C0A-8E31-D1AE2BB7A9B5}"/>
               </a:ext>
             </a:extLst>
           </p:cNvPr>
@@ -2014,7 +2017,7 @@
           <p:cNvPr id="5" name="Slide Number Placeholder 4">
             <a:extLst>
               <a:ext uri="{FF2B5EF4-FFF2-40B4-BE49-F238E27FC236}">
-                <a16:creationId xmlns:a16="http://schemas.microsoft.com/office/drawing/2014/main" id="{682B9AB5-C539-4F36-9D12-2CEA80FC83E0}"/>
+                <a16:creationId xmlns:a16="http://schemas.microsoft.com/office/drawing/2014/main" xmlns="" id="{682B9AB5-C539-4F36-9D12-2CEA80FC83E0}"/>
               </a:ext>
             </a:extLst>
           </p:cNvPr>
@@ -2073,7 +2076,7 @@
           <p:cNvPr id="2" name="Date Placeholder 1">
             <a:extLst>
               <a:ext uri="{FF2B5EF4-FFF2-40B4-BE49-F238E27FC236}">
-                <a16:creationId xmlns:a16="http://schemas.microsoft.com/office/drawing/2014/main" id="{DA1FEC02-C5CD-449E-8667-012193689055}"/>
+                <a16:creationId xmlns:a16="http://schemas.microsoft.com/office/drawing/2014/main" xmlns="" id="{DA1FEC02-C5CD-449E-8667-012193689055}"/>
               </a:ext>
             </a:extLst>
           </p:cNvPr>
@@ -2091,7 +2094,7 @@
           <a:p>
             <a:fld id="{51C5386E-A22A-498D-ACA3-656AFD3A9E3A}" type="datetimeFigureOut">
               <a:rPr lang="en-SG" smtClean="0"/>
-              <a:t>17/3/2020</a:t>
+              <a:t>19/3/2020</a:t>
             </a:fld>
             <a:endParaRPr lang="en-SG"/>
           </a:p>
@@ -2102,7 +2105,7 @@
           <p:cNvPr id="3" name="Footer Placeholder 2">
             <a:extLst>
               <a:ext uri="{FF2B5EF4-FFF2-40B4-BE49-F238E27FC236}">
-                <a16:creationId xmlns:a16="http://schemas.microsoft.com/office/drawing/2014/main" id="{F49D3241-2CF1-478C-A392-D892DFD40B22}"/>
+                <a16:creationId xmlns:a16="http://schemas.microsoft.com/office/drawing/2014/main" xmlns="" id="{F49D3241-2CF1-478C-A392-D892DFD40B22}"/>
               </a:ext>
             </a:extLst>
           </p:cNvPr>
@@ -2127,7 +2130,7 @@
           <p:cNvPr id="4" name="Slide Number Placeholder 3">
             <a:extLst>
               <a:ext uri="{FF2B5EF4-FFF2-40B4-BE49-F238E27FC236}">
-                <a16:creationId xmlns:a16="http://schemas.microsoft.com/office/drawing/2014/main" id="{CBEE0FDB-6307-4141-A127-B382F7DF7A43}"/>
+                <a16:creationId xmlns:a16="http://schemas.microsoft.com/office/drawing/2014/main" xmlns="" id="{CBEE0FDB-6307-4141-A127-B382F7DF7A43}"/>
               </a:ext>
             </a:extLst>
           </p:cNvPr>
@@ -2186,7 +2189,7 @@
           <p:cNvPr id="2" name="Title 1">
             <a:extLst>
               <a:ext uri="{FF2B5EF4-FFF2-40B4-BE49-F238E27FC236}">
-                <a16:creationId xmlns:a16="http://schemas.microsoft.com/office/drawing/2014/main" id="{B8B327B1-09E2-4E8D-90E2-0B5309E92843}"/>
+                <a16:creationId xmlns:a16="http://schemas.microsoft.com/office/drawing/2014/main" xmlns="" id="{B8B327B1-09E2-4E8D-90E2-0B5309E92843}"/>
               </a:ext>
             </a:extLst>
           </p:cNvPr>
@@ -2224,7 +2227,7 @@
           <p:cNvPr id="3" name="Content Placeholder 2">
             <a:extLst>
               <a:ext uri="{FF2B5EF4-FFF2-40B4-BE49-F238E27FC236}">
-                <a16:creationId xmlns:a16="http://schemas.microsoft.com/office/drawing/2014/main" id="{52DEBDDA-E1D2-4C53-8CEA-9B93BB343DC3}"/>
+                <a16:creationId xmlns:a16="http://schemas.microsoft.com/office/drawing/2014/main" xmlns="" id="{52DEBDDA-E1D2-4C53-8CEA-9B93BB343DC3}"/>
               </a:ext>
             </a:extLst>
           </p:cNvPr>
@@ -2315,7 +2318,7 @@
           <p:cNvPr id="4" name="Text Placeholder 3">
             <a:extLst>
               <a:ext uri="{FF2B5EF4-FFF2-40B4-BE49-F238E27FC236}">
-                <a16:creationId xmlns:a16="http://schemas.microsoft.com/office/drawing/2014/main" id="{E35107A8-5597-442D-9467-C7AB6D95C56F}"/>
+                <a16:creationId xmlns:a16="http://schemas.microsoft.com/office/drawing/2014/main" xmlns="" id="{E35107A8-5597-442D-9467-C7AB6D95C56F}"/>
               </a:ext>
             </a:extLst>
           </p:cNvPr>
@@ -2386,7 +2389,7 @@
           <p:cNvPr id="5" name="Date Placeholder 4">
             <a:extLst>
               <a:ext uri="{FF2B5EF4-FFF2-40B4-BE49-F238E27FC236}">
-                <a16:creationId xmlns:a16="http://schemas.microsoft.com/office/drawing/2014/main" id="{C02660C0-B8E6-4542-9A2B-4311867DE5B1}"/>
+                <a16:creationId xmlns:a16="http://schemas.microsoft.com/office/drawing/2014/main" xmlns="" id="{C02660C0-B8E6-4542-9A2B-4311867DE5B1}"/>
               </a:ext>
             </a:extLst>
           </p:cNvPr>
@@ -2404,7 +2407,7 @@
           <a:p>
             <a:fld id="{51C5386E-A22A-498D-ACA3-656AFD3A9E3A}" type="datetimeFigureOut">
               <a:rPr lang="en-SG" smtClean="0"/>
-              <a:t>17/3/2020</a:t>
+              <a:t>19/3/2020</a:t>
             </a:fld>
             <a:endParaRPr lang="en-SG"/>
           </a:p>
@@ -2415,7 +2418,7 @@
           <p:cNvPr id="6" name="Footer Placeholder 5">
             <a:extLst>
               <a:ext uri="{FF2B5EF4-FFF2-40B4-BE49-F238E27FC236}">
-                <a16:creationId xmlns:a16="http://schemas.microsoft.com/office/drawing/2014/main" id="{C6100ADB-3F33-4032-A965-657FAF26C20D}"/>
+                <a16:creationId xmlns:a16="http://schemas.microsoft.com/office/drawing/2014/main" xmlns="" id="{C6100ADB-3F33-4032-A965-657FAF26C20D}"/>
               </a:ext>
             </a:extLst>
           </p:cNvPr>
@@ -2440,7 +2443,7 @@
           <p:cNvPr id="7" name="Slide Number Placeholder 6">
             <a:extLst>
               <a:ext uri="{FF2B5EF4-FFF2-40B4-BE49-F238E27FC236}">
-                <a16:creationId xmlns:a16="http://schemas.microsoft.com/office/drawing/2014/main" id="{A36A0A56-C2A1-4558-ACE2-1EFBAB377E33}"/>
+                <a16:creationId xmlns:a16="http://schemas.microsoft.com/office/drawing/2014/main" xmlns="" id="{A36A0A56-C2A1-4558-ACE2-1EFBAB377E33}"/>
               </a:ext>
             </a:extLst>
           </p:cNvPr>
@@ -2499,7 +2502,7 @@
           <p:cNvPr id="2" name="Title 1">
             <a:extLst>
               <a:ext uri="{FF2B5EF4-FFF2-40B4-BE49-F238E27FC236}">
-                <a16:creationId xmlns:a16="http://schemas.microsoft.com/office/drawing/2014/main" id="{278A620C-D64F-4B66-8B58-BF40048AD556}"/>
+                <a16:creationId xmlns:a16="http://schemas.microsoft.com/office/drawing/2014/main" xmlns="" id="{278A620C-D64F-4B66-8B58-BF40048AD556}"/>
               </a:ext>
             </a:extLst>
           </p:cNvPr>
@@ -2537,7 +2540,7 @@
           <p:cNvPr id="3" name="Picture Placeholder 2">
             <a:extLst>
               <a:ext uri="{FF2B5EF4-FFF2-40B4-BE49-F238E27FC236}">
-                <a16:creationId xmlns:a16="http://schemas.microsoft.com/office/drawing/2014/main" id="{832A385B-4791-4E41-A615-E046942A88E8}"/>
+                <a16:creationId xmlns:a16="http://schemas.microsoft.com/office/drawing/2014/main" xmlns="" id="{832A385B-4791-4E41-A615-E046942A88E8}"/>
               </a:ext>
             </a:extLst>
           </p:cNvPr>
@@ -2604,7 +2607,7 @@
           <p:cNvPr id="4" name="Text Placeholder 3">
             <a:extLst>
               <a:ext uri="{FF2B5EF4-FFF2-40B4-BE49-F238E27FC236}">
-                <a16:creationId xmlns:a16="http://schemas.microsoft.com/office/drawing/2014/main" id="{C620033E-EAC5-44B6-98F7-8AF5A8943F47}"/>
+                <a16:creationId xmlns:a16="http://schemas.microsoft.com/office/drawing/2014/main" xmlns="" id="{C620033E-EAC5-44B6-98F7-8AF5A8943F47}"/>
               </a:ext>
             </a:extLst>
           </p:cNvPr>
@@ -2675,7 +2678,7 @@
           <p:cNvPr id="5" name="Date Placeholder 4">
             <a:extLst>
               <a:ext uri="{FF2B5EF4-FFF2-40B4-BE49-F238E27FC236}">
-                <a16:creationId xmlns:a16="http://schemas.microsoft.com/office/drawing/2014/main" id="{75583297-63AE-4B35-885B-21E127919E53}"/>
+                <a16:creationId xmlns:a16="http://schemas.microsoft.com/office/drawing/2014/main" xmlns="" id="{75583297-63AE-4B35-885B-21E127919E53}"/>
               </a:ext>
             </a:extLst>
           </p:cNvPr>
@@ -2693,7 +2696,7 @@
           <a:p>
             <a:fld id="{51C5386E-A22A-498D-ACA3-656AFD3A9E3A}" type="datetimeFigureOut">
               <a:rPr lang="en-SG" smtClean="0"/>
-              <a:t>17/3/2020</a:t>
+              <a:t>19/3/2020</a:t>
             </a:fld>
             <a:endParaRPr lang="en-SG"/>
           </a:p>
@@ -2704,7 +2707,7 @@
           <p:cNvPr id="6" name="Footer Placeholder 5">
             <a:extLst>
               <a:ext uri="{FF2B5EF4-FFF2-40B4-BE49-F238E27FC236}">
-                <a16:creationId xmlns:a16="http://schemas.microsoft.com/office/drawing/2014/main" id="{DD82C2CF-FE35-4A7F-873A-E97136F11844}"/>
+                <a16:creationId xmlns:a16="http://schemas.microsoft.com/office/drawing/2014/main" xmlns="" id="{DD82C2CF-FE35-4A7F-873A-E97136F11844}"/>
               </a:ext>
             </a:extLst>
           </p:cNvPr>
@@ -2729,7 +2732,7 @@
           <p:cNvPr id="7" name="Slide Number Placeholder 6">
             <a:extLst>
               <a:ext uri="{FF2B5EF4-FFF2-40B4-BE49-F238E27FC236}">
-                <a16:creationId xmlns:a16="http://schemas.microsoft.com/office/drawing/2014/main" id="{3020967D-63BA-4F40-B1A1-A9AC7DB88F32}"/>
+                <a16:creationId xmlns:a16="http://schemas.microsoft.com/office/drawing/2014/main" xmlns="" id="{3020967D-63BA-4F40-B1A1-A9AC7DB88F32}"/>
               </a:ext>
             </a:extLst>
           </p:cNvPr>
@@ -2793,7 +2796,7 @@
           <p:cNvPr id="2" name="Title Placeholder 1">
             <a:extLst>
               <a:ext uri="{FF2B5EF4-FFF2-40B4-BE49-F238E27FC236}">
-                <a16:creationId xmlns:a16="http://schemas.microsoft.com/office/drawing/2014/main" id="{B0A9C9EB-2A9B-4353-B518-C3F4E816CC53}"/>
+                <a16:creationId xmlns:a16="http://schemas.microsoft.com/office/drawing/2014/main" xmlns="" id="{B0A9C9EB-2A9B-4353-B518-C3F4E816CC53}"/>
               </a:ext>
             </a:extLst>
           </p:cNvPr>
@@ -2832,7 +2835,7 @@
           <p:cNvPr id="3" name="Text Placeholder 2">
             <a:extLst>
               <a:ext uri="{FF2B5EF4-FFF2-40B4-BE49-F238E27FC236}">
-                <a16:creationId xmlns:a16="http://schemas.microsoft.com/office/drawing/2014/main" id="{97653011-F866-4B26-AAAC-D835461C1CBC}"/>
+                <a16:creationId xmlns:a16="http://schemas.microsoft.com/office/drawing/2014/main" xmlns="" id="{97653011-F866-4B26-AAAC-D835461C1CBC}"/>
               </a:ext>
             </a:extLst>
           </p:cNvPr>
@@ -2900,7 +2903,7 @@
           <p:cNvPr id="4" name="Date Placeholder 3">
             <a:extLst>
               <a:ext uri="{FF2B5EF4-FFF2-40B4-BE49-F238E27FC236}">
-                <a16:creationId xmlns:a16="http://schemas.microsoft.com/office/drawing/2014/main" id="{0866146B-048B-412C-89CC-8874A0984C3E}"/>
+                <a16:creationId xmlns:a16="http://schemas.microsoft.com/office/drawing/2014/main" xmlns="" id="{0866146B-048B-412C-89CC-8874A0984C3E}"/>
               </a:ext>
             </a:extLst>
           </p:cNvPr>
@@ -2936,7 +2939,7 @@
           <a:p>
             <a:fld id="{51C5386E-A22A-498D-ACA3-656AFD3A9E3A}" type="datetimeFigureOut">
               <a:rPr lang="en-SG" smtClean="0"/>
-              <a:t>17/3/2020</a:t>
+              <a:t>19/3/2020</a:t>
             </a:fld>
             <a:endParaRPr lang="en-SG"/>
           </a:p>
@@ -2947,7 +2950,7 @@
           <p:cNvPr id="5" name="Footer Placeholder 4">
             <a:extLst>
               <a:ext uri="{FF2B5EF4-FFF2-40B4-BE49-F238E27FC236}">
-                <a16:creationId xmlns:a16="http://schemas.microsoft.com/office/drawing/2014/main" id="{0D8B8012-9236-404E-B5C2-AAF84D2F24F1}"/>
+                <a16:creationId xmlns:a16="http://schemas.microsoft.com/office/drawing/2014/main" xmlns="" id="{0D8B8012-9236-404E-B5C2-AAF84D2F24F1}"/>
               </a:ext>
             </a:extLst>
           </p:cNvPr>
@@ -2990,7 +2993,7 @@
           <p:cNvPr id="6" name="Slide Number Placeholder 5">
             <a:extLst>
               <a:ext uri="{FF2B5EF4-FFF2-40B4-BE49-F238E27FC236}">
-                <a16:creationId xmlns:a16="http://schemas.microsoft.com/office/drawing/2014/main" id="{F99D323F-1C65-4348-AB73-24BDAB4FED98}"/>
+                <a16:creationId xmlns:a16="http://schemas.microsoft.com/office/drawing/2014/main" xmlns="" id="{F99D323F-1C65-4348-AB73-24BDAB4FED98}"/>
               </a:ext>
             </a:extLst>
           </p:cNvPr>
@@ -3358,7 +3361,7 @@
           <p:cNvPr id="2" name="Title 1">
             <a:extLst>
               <a:ext uri="{FF2B5EF4-FFF2-40B4-BE49-F238E27FC236}">
-                <a16:creationId xmlns:a16="http://schemas.microsoft.com/office/drawing/2014/main" id="{357490B8-9F1F-49BC-9DB9-4F35748170B5}"/>
+                <a16:creationId xmlns:a16="http://schemas.microsoft.com/office/drawing/2014/main" xmlns="" id="{357490B8-9F1F-49BC-9DB9-4F35748170B5}"/>
               </a:ext>
             </a:extLst>
           </p:cNvPr>
@@ -3402,7 +3405,7 @@
           <p:cNvPr id="3" name="Subtitle 2">
             <a:extLst>
               <a:ext uri="{FF2B5EF4-FFF2-40B4-BE49-F238E27FC236}">
-                <a16:creationId xmlns:a16="http://schemas.microsoft.com/office/drawing/2014/main" id="{5FDF69D4-5210-4CD1-B5E4-8D081B7FDA17}"/>
+                <a16:creationId xmlns:a16="http://schemas.microsoft.com/office/drawing/2014/main" xmlns="" id="{5FDF69D4-5210-4CD1-B5E4-8D081B7FDA17}"/>
               </a:ext>
             </a:extLst>
           </p:cNvPr>
@@ -3470,10 +3473,503 @@
       </p:grpSpPr>
       <p:sp>
         <p:nvSpPr>
+          <p:cNvPr id="2" name="Title 1"/>
+          <p:cNvSpPr>
+            <a:spLocks noGrp="1"/>
+          </p:cNvSpPr>
+          <p:nvPr>
+            <p:ph type="title"/>
+          </p:nvPr>
+        </p:nvSpPr>
+        <p:spPr/>
+        <p:txBody>
+          <a:bodyPr/>
+          <a:lstStyle/>
+          <a:p>
+            <a:r>
+              <a:rPr lang="en-SG" dirty="0" smtClean="0"/>
+              <a:t>Things we have done</a:t>
+            </a:r>
+            <a:endParaRPr lang="en-SG" dirty="0"/>
+          </a:p>
+        </p:txBody>
+      </p:sp>
+      <p:sp>
+        <p:nvSpPr>
+          <p:cNvPr id="3" name="Content Placeholder 2"/>
+          <p:cNvSpPr>
+            <a:spLocks noGrp="1"/>
+          </p:cNvSpPr>
+          <p:nvPr>
+            <p:ph idx="1"/>
+          </p:nvPr>
+        </p:nvSpPr>
+        <p:spPr/>
+        <p:txBody>
+          <a:bodyPr/>
+          <a:lstStyle/>
+          <a:p>
+            <a:r>
+              <a:rPr lang="en-SG" dirty="0" smtClean="0"/>
+              <a:t>1) Clean up the python code</a:t>
+            </a:r>
+          </a:p>
+          <a:p>
+            <a:r>
+              <a:rPr lang="en-SG" dirty="0" smtClean="0"/>
+              <a:t>2) </a:t>
+            </a:r>
+            <a:r>
+              <a:rPr lang="en-SG" dirty="0" err="1" smtClean="0"/>
+              <a:t>url</a:t>
+            </a:r>
+            <a:r>
+              <a:rPr lang="en-SG" dirty="0" smtClean="0"/>
+              <a:t> -&gt; parse -&gt; model -&gt; output </a:t>
+            </a:r>
+            <a:r>
+              <a:rPr lang="en-SG" dirty="0" smtClean="0">
+                <a:solidFill>
+                  <a:srgbClr val="00B050"/>
+                </a:solidFill>
+              </a:rPr>
+              <a:t>-&gt; model</a:t>
+            </a:r>
+          </a:p>
+          <a:p>
+            <a:r>
+              <a:rPr lang="en-SG" dirty="0" smtClean="0"/>
+              <a:t>3) </a:t>
+            </a:r>
+            <a:r>
+              <a:rPr lang="en-SG" dirty="0" err="1" smtClean="0"/>
+              <a:t>Streamlit</a:t>
+            </a:r>
+            <a:r>
+              <a:rPr lang="en-SG" dirty="0" smtClean="0"/>
+              <a:t>, and Flask</a:t>
+            </a:r>
+          </a:p>
+          <a:p>
+            <a:r>
+              <a:rPr lang="en-SG" dirty="0" smtClean="0"/>
+              <a:t>4) Try out different BERT models – evaluation by runtime (</a:t>
+            </a:r>
+            <a:r>
+              <a:rPr lang="en-SG" dirty="0" err="1" smtClean="0"/>
+              <a:t>DistillBERT</a:t>
+            </a:r>
+            <a:r>
+              <a:rPr lang="en-SG" dirty="0" smtClean="0"/>
+              <a:t>)</a:t>
+            </a:r>
+            <a:endParaRPr lang="en-SG" dirty="0"/>
+          </a:p>
+          <a:p>
+            <a:endParaRPr lang="en-SG" dirty="0"/>
+          </a:p>
+        </p:txBody>
+      </p:sp>
+    </p:spTree>
+    <p:extLst>
+      <p:ext uri="{BB962C8B-B14F-4D97-AF65-F5344CB8AC3E}">
+        <p14:creationId xmlns:p14="http://schemas.microsoft.com/office/powerpoint/2010/main" val="1224325231"/>
+      </p:ext>
+    </p:extLst>
+  </p:cSld>
+  <p:clrMapOvr>
+    <a:masterClrMapping/>
+  </p:clrMapOvr>
+</p:sld>
+</file>
+
+<file path=ppt/slides/slide3.xml><?xml version="1.0" encoding="utf-8"?>
+<p:sld xmlns:a="http://schemas.openxmlformats.org/drawingml/2006/main" xmlns:r="http://schemas.openxmlformats.org/officeDocument/2006/relationships" xmlns:p="http://schemas.openxmlformats.org/presentationml/2006/main">
+  <p:cSld>
+    <p:spTree>
+      <p:nvGrpSpPr>
+        <p:cNvPr id="1" name=""/>
+        <p:cNvGrpSpPr/>
+        <p:nvPr/>
+      </p:nvGrpSpPr>
+      <p:grpSpPr>
+        <a:xfrm>
+          <a:off x="0" y="0"/>
+          <a:ext cx="0" cy="0"/>
+          <a:chOff x="0" y="0"/>
+          <a:chExt cx="0" cy="0"/>
+        </a:xfrm>
+      </p:grpSpPr>
+      <p:sp>
+        <p:nvSpPr>
+          <p:cNvPr id="2" name="Title 1"/>
+          <p:cNvSpPr>
+            <a:spLocks noGrp="1"/>
+          </p:cNvSpPr>
+          <p:nvPr>
+            <p:ph type="title"/>
+          </p:nvPr>
+        </p:nvSpPr>
+        <p:spPr>
+          <a:xfrm>
+            <a:off x="806548" y="179748"/>
+            <a:ext cx="10515600" cy="826366"/>
+          </a:xfrm>
+        </p:spPr>
+        <p:txBody>
+          <a:bodyPr/>
+          <a:lstStyle/>
+          <a:p>
+            <a:r>
+              <a:rPr lang="en-SG" dirty="0" err="1" smtClean="0"/>
+              <a:t>DistilBERT</a:t>
+            </a:r>
+            <a:r>
+              <a:rPr lang="en-SG" dirty="0" smtClean="0"/>
+              <a:t> </a:t>
+            </a:r>
+            <a:r>
+              <a:rPr lang="en-SG" dirty="0" err="1" smtClean="0"/>
+              <a:t>vs</a:t>
+            </a:r>
+            <a:r>
+              <a:rPr lang="en-SG" dirty="0" smtClean="0"/>
+              <a:t> BERT-base- uncased (default)</a:t>
+            </a:r>
+            <a:endParaRPr lang="en-SG" dirty="0"/>
+          </a:p>
+        </p:txBody>
+      </p:sp>
+      <p:pic>
+        <p:nvPicPr>
+          <p:cNvPr id="1026" name="Picture 2"/>
+          <p:cNvPicPr>
+            <a:picLocks noChangeAspect="1" noChangeArrowheads="1"/>
+          </p:cNvPicPr>
+          <p:nvPr/>
+        </p:nvPicPr>
+        <p:blipFill>
+          <a:blip r:embed="rId2">
+            <a:extLst>
+              <a:ext uri="{28A0092B-C50C-407E-A947-70E740481C1C}">
+                <a14:useLocalDpi xmlns:a14="http://schemas.microsoft.com/office/drawing/2010/main" val="0"/>
+              </a:ext>
+            </a:extLst>
+          </a:blip>
+          <a:srcRect/>
+          <a:stretch>
+            <a:fillRect/>
+          </a:stretch>
+        </p:blipFill>
+        <p:spPr bwMode="auto">
+          <a:xfrm>
+            <a:off x="2998834" y="939741"/>
+            <a:ext cx="5934075" cy="3400425"/>
+          </a:xfrm>
+          <a:prstGeom prst="rect">
+            <a:avLst/>
+          </a:prstGeom>
+          <a:noFill/>
+          <a:ln>
+            <a:noFill/>
+          </a:ln>
+          <a:effectLst/>
+          <a:extLst>
+            <a:ext uri="{909E8E84-426E-40DD-AFC4-6F175D3DCCD1}">
+              <a14:hiddenFill xmlns:a14="http://schemas.microsoft.com/office/drawing/2010/main">
+                <a:solidFill>
+                  <a:schemeClr val="accent1"/>
+                </a:solidFill>
+              </a14:hiddenFill>
+            </a:ext>
+            <a:ext uri="{91240B29-F687-4F45-9708-019B960494DF}">
+              <a14:hiddenLine xmlns:a14="http://schemas.microsoft.com/office/drawing/2010/main" w="9525">
+                <a:solidFill>
+                  <a:schemeClr val="tx1"/>
+                </a:solidFill>
+                <a:miter lim="800000"/>
+                <a:headEnd/>
+                <a:tailEnd/>
+              </a14:hiddenLine>
+            </a:ext>
+            <a:ext uri="{AF507438-7753-43E0-B8FC-AC1667EBCBE1}">
+              <a14:hiddenEffects xmlns:a14="http://schemas.microsoft.com/office/drawing/2010/main">
+                <a:effectLst>
+                  <a:outerShdw dist="35921" dir="2700000" algn="ctr" rotWithShape="0">
+                    <a:schemeClr val="bg2"/>
+                  </a:outerShdw>
+                </a:effectLst>
+              </a14:hiddenEffects>
+            </a:ext>
+          </a:extLst>
+        </p:spPr>
+      </p:pic>
+      <p:pic>
+        <p:nvPicPr>
+          <p:cNvPr id="1027" name="Picture 3"/>
+          <p:cNvPicPr>
+            <a:picLocks noChangeAspect="1" noChangeArrowheads="1"/>
+          </p:cNvPicPr>
+          <p:nvPr/>
+        </p:nvPicPr>
+        <p:blipFill>
+          <a:blip r:embed="rId3">
+            <a:extLst>
+              <a:ext uri="{28A0092B-C50C-407E-A947-70E740481C1C}">
+                <a14:useLocalDpi xmlns:a14="http://schemas.microsoft.com/office/drawing/2010/main" val="0"/>
+              </a:ext>
+            </a:extLst>
+          </a:blip>
+          <a:srcRect/>
+          <a:stretch>
+            <a:fillRect/>
+          </a:stretch>
+        </p:blipFill>
+        <p:spPr bwMode="auto">
+          <a:xfrm>
+            <a:off x="561200" y="5614986"/>
+            <a:ext cx="8886825" cy="828675"/>
+          </a:xfrm>
+          <a:prstGeom prst="rect">
+            <a:avLst/>
+          </a:prstGeom>
+          <a:noFill/>
+          <a:ln>
+            <a:noFill/>
+          </a:ln>
+          <a:effectLst/>
+          <a:extLst>
+            <a:ext uri="{909E8E84-426E-40DD-AFC4-6F175D3DCCD1}">
+              <a14:hiddenFill xmlns:a14="http://schemas.microsoft.com/office/drawing/2010/main">
+                <a:solidFill>
+                  <a:schemeClr val="accent1"/>
+                </a:solidFill>
+              </a14:hiddenFill>
+            </a:ext>
+            <a:ext uri="{91240B29-F687-4F45-9708-019B960494DF}">
+              <a14:hiddenLine xmlns:a14="http://schemas.microsoft.com/office/drawing/2010/main" w="9525">
+                <a:solidFill>
+                  <a:schemeClr val="tx1"/>
+                </a:solidFill>
+                <a:miter lim="800000"/>
+                <a:headEnd/>
+                <a:tailEnd/>
+              </a14:hiddenLine>
+            </a:ext>
+            <a:ext uri="{AF507438-7753-43E0-B8FC-AC1667EBCBE1}">
+              <a14:hiddenEffects xmlns:a14="http://schemas.microsoft.com/office/drawing/2010/main">
+                <a:effectLst>
+                  <a:outerShdw dist="35921" dir="2700000" algn="ctr" rotWithShape="0">
+                    <a:schemeClr val="bg2"/>
+                  </a:outerShdw>
+                </a:effectLst>
+              </a14:hiddenEffects>
+            </a:ext>
+          </a:extLst>
+        </p:spPr>
+      </p:pic>
+      <p:pic>
+        <p:nvPicPr>
+          <p:cNvPr id="1028" name="Picture 4"/>
+          <p:cNvPicPr>
+            <a:picLocks noGrp="1" noChangeAspect="1" noChangeArrowheads="1"/>
+          </p:cNvPicPr>
+          <p:nvPr>
+            <p:ph idx="1"/>
+          </p:nvPr>
+        </p:nvPicPr>
+        <p:blipFill>
+          <a:blip r:embed="rId4">
+            <a:extLst>
+              <a:ext uri="{28A0092B-C50C-407E-A947-70E740481C1C}">
+                <a14:useLocalDpi xmlns:a14="http://schemas.microsoft.com/office/drawing/2010/main" val="0"/>
+              </a:ext>
+            </a:extLst>
+          </a:blip>
+          <a:srcRect/>
+          <a:stretch>
+            <a:fillRect/>
+          </a:stretch>
+        </p:blipFill>
+        <p:spPr bwMode="auto">
+          <a:xfrm>
+            <a:off x="561201" y="4443405"/>
+            <a:ext cx="9456179" cy="1037076"/>
+          </a:xfrm>
+          <a:prstGeom prst="rect">
+            <a:avLst/>
+          </a:prstGeom>
+          <a:noFill/>
+          <a:ln>
+            <a:noFill/>
+          </a:ln>
+          <a:effectLst/>
+          <a:extLst>
+            <a:ext uri="{909E8E84-426E-40DD-AFC4-6F175D3DCCD1}">
+              <a14:hiddenFill xmlns:a14="http://schemas.microsoft.com/office/drawing/2010/main">
+                <a:solidFill>
+                  <a:schemeClr val="accent1"/>
+                </a:solidFill>
+              </a14:hiddenFill>
+            </a:ext>
+            <a:ext uri="{91240B29-F687-4F45-9708-019B960494DF}">
+              <a14:hiddenLine xmlns:a14="http://schemas.microsoft.com/office/drawing/2010/main" w="9525">
+                <a:solidFill>
+                  <a:schemeClr val="tx1"/>
+                </a:solidFill>
+                <a:miter lim="800000"/>
+                <a:headEnd/>
+                <a:tailEnd/>
+              </a14:hiddenLine>
+            </a:ext>
+            <a:ext uri="{AF507438-7753-43E0-B8FC-AC1667EBCBE1}">
+              <a14:hiddenEffects xmlns:a14="http://schemas.microsoft.com/office/drawing/2010/main">
+                <a:effectLst>
+                  <a:outerShdw dist="35921" dir="2700000" algn="ctr" rotWithShape="0">
+                    <a:schemeClr val="bg2"/>
+                  </a:outerShdw>
+                </a:effectLst>
+              </a14:hiddenEffects>
+            </a:ext>
+          </a:extLst>
+        </p:spPr>
+      </p:pic>
+    </p:spTree>
+    <p:extLst>
+      <p:ext uri="{BB962C8B-B14F-4D97-AF65-F5344CB8AC3E}">
+        <p14:creationId xmlns:p14="http://schemas.microsoft.com/office/powerpoint/2010/main" val="2609001510"/>
+      </p:ext>
+    </p:extLst>
+  </p:cSld>
+  <p:clrMapOvr>
+    <a:masterClrMapping/>
+  </p:clrMapOvr>
+</p:sld>
+</file>
+
+<file path=ppt/slides/slide4.xml><?xml version="1.0" encoding="utf-8"?>
+<p:sld xmlns:a="http://schemas.openxmlformats.org/drawingml/2006/main" xmlns:r="http://schemas.openxmlformats.org/officeDocument/2006/relationships" xmlns:p="http://schemas.openxmlformats.org/presentationml/2006/main">
+  <p:cSld>
+    <p:spTree>
+      <p:nvGrpSpPr>
+        <p:cNvPr id="1" name=""/>
+        <p:cNvGrpSpPr/>
+        <p:nvPr/>
+      </p:nvGrpSpPr>
+      <p:grpSpPr>
+        <a:xfrm>
+          <a:off x="0" y="0"/>
+          <a:ext cx="0" cy="0"/>
+          <a:chOff x="0" y="0"/>
+          <a:chExt cx="0" cy="0"/>
+        </a:xfrm>
+      </p:grpSpPr>
+      <p:sp>
+        <p:nvSpPr>
+          <p:cNvPr id="2" name="Title 1"/>
+          <p:cNvSpPr>
+            <a:spLocks noGrp="1"/>
+          </p:cNvSpPr>
+          <p:nvPr>
+            <p:ph type="title"/>
+          </p:nvPr>
+        </p:nvSpPr>
+        <p:spPr/>
+        <p:txBody>
+          <a:bodyPr/>
+          <a:lstStyle/>
+          <a:p>
+            <a:r>
+              <a:rPr lang="en-SG" dirty="0" smtClean="0"/>
+              <a:t>Things for next week</a:t>
+            </a:r>
+            <a:endParaRPr lang="en-SG" dirty="0"/>
+          </a:p>
+        </p:txBody>
+      </p:sp>
+      <p:sp>
+        <p:nvSpPr>
+          <p:cNvPr id="3" name="Content Placeholder 2"/>
+          <p:cNvSpPr>
+            <a:spLocks noGrp="1"/>
+          </p:cNvSpPr>
+          <p:nvPr>
+            <p:ph idx="1"/>
+          </p:nvPr>
+        </p:nvSpPr>
+        <p:spPr/>
+        <p:txBody>
+          <a:bodyPr/>
+          <a:lstStyle/>
+          <a:p>
+            <a:r>
+              <a:rPr lang="en-SG" sz="3600" dirty="0" smtClean="0"/>
+              <a:t>More research </a:t>
+            </a:r>
+            <a:r>
+              <a:rPr lang="en-SG" sz="3600" dirty="0" smtClean="0">
+                <a:sym typeface="Wingdings" pitchFamily="2" charset="2"/>
+              </a:rPr>
+              <a:t></a:t>
+            </a:r>
+            <a:endParaRPr lang="en-SG" sz="3600" dirty="0" smtClean="0"/>
+          </a:p>
+          <a:p>
+            <a:r>
+              <a:rPr lang="en-SG" sz="3600" dirty="0" smtClean="0"/>
+              <a:t>Retraining and update the model (any clues?) </a:t>
+            </a:r>
+          </a:p>
+          <a:p>
+            <a:r>
+              <a:rPr lang="en-SG" sz="3600" dirty="0" smtClean="0"/>
+              <a:t>Deployment: error messages</a:t>
+            </a:r>
+          </a:p>
+          <a:p>
+            <a:endParaRPr lang="en-SG" sz="3600" dirty="0" smtClean="0"/>
+          </a:p>
+          <a:p>
+            <a:endParaRPr lang="en-SG" dirty="0"/>
+          </a:p>
+        </p:txBody>
+      </p:sp>
+    </p:spTree>
+    <p:extLst>
+      <p:ext uri="{BB962C8B-B14F-4D97-AF65-F5344CB8AC3E}">
+        <p14:creationId xmlns:p14="http://schemas.microsoft.com/office/powerpoint/2010/main" val="3619163109"/>
+      </p:ext>
+    </p:extLst>
+  </p:cSld>
+  <p:clrMapOvr>
+    <a:masterClrMapping/>
+  </p:clrMapOvr>
+</p:sld>
+</file>
+
+<file path=ppt/slides/slide5.xml><?xml version="1.0" encoding="utf-8"?>
+<p:sld xmlns:a="http://schemas.openxmlformats.org/drawingml/2006/main" xmlns:r="http://schemas.openxmlformats.org/officeDocument/2006/relationships" xmlns:p="http://schemas.openxmlformats.org/presentationml/2006/main">
+  <p:cSld>
+    <p:spTree>
+      <p:nvGrpSpPr>
+        <p:cNvPr id="1" name=""/>
+        <p:cNvGrpSpPr/>
+        <p:nvPr/>
+      </p:nvGrpSpPr>
+      <p:grpSpPr>
+        <a:xfrm>
+          <a:off x="0" y="0"/>
+          <a:ext cx="0" cy="0"/>
+          <a:chOff x="0" y="0"/>
+          <a:chExt cx="0" cy="0"/>
+        </a:xfrm>
+      </p:grpSpPr>
+      <p:sp>
+        <p:nvSpPr>
           <p:cNvPr id="2" name="Title 1">
             <a:extLst>
               <a:ext uri="{FF2B5EF4-FFF2-40B4-BE49-F238E27FC236}">
-                <a16:creationId xmlns:a16="http://schemas.microsoft.com/office/drawing/2014/main" id="{40966DFC-4696-4AF8-BA47-EFE6FC677E13}"/>
+                <a16:creationId xmlns:a16="http://schemas.microsoft.com/office/drawing/2014/main" xmlns="" id="{40966DFC-4696-4AF8-BA47-EFE6FC677E13}"/>
               </a:ext>
             </a:extLst>
           </p:cNvPr>
@@ -3506,7 +4002,7 @@
           <p:cNvPr id="5" name="Picture 4" descr="A picture containing drawing&#10;&#10;Description automatically generated">
             <a:extLst>
               <a:ext uri="{FF2B5EF4-FFF2-40B4-BE49-F238E27FC236}">
-                <a16:creationId xmlns:a16="http://schemas.microsoft.com/office/drawing/2014/main" id="{7D7B38A8-4A55-4F62-94BF-DBA75A89C345}"/>
+                <a16:creationId xmlns:a16="http://schemas.microsoft.com/office/drawing/2014/main" xmlns="" id="{7D7B38A8-4A55-4F62-94BF-DBA75A89C345}"/>
               </a:ext>
             </a:extLst>
           </p:cNvPr>
@@ -3542,7 +4038,7 @@
           <p:cNvPr id="7" name="Picture 6" descr="A picture containing cup&#10;&#10;Description automatically generated">
             <a:extLst>
               <a:ext uri="{FF2B5EF4-FFF2-40B4-BE49-F238E27FC236}">
-                <a16:creationId xmlns:a16="http://schemas.microsoft.com/office/drawing/2014/main" id="{F10C79C4-E921-43E9-8089-7F3A97FC619C}"/>
+                <a16:creationId xmlns:a16="http://schemas.microsoft.com/office/drawing/2014/main" xmlns="" id="{F10C79C4-E921-43E9-8089-7F3A97FC619C}"/>
               </a:ext>
             </a:extLst>
           </p:cNvPr>
@@ -3578,7 +4074,7 @@
           <p:cNvPr id="11" name="Picture 10" descr="A picture containing basketball, game&#10;&#10;Description automatically generated">
             <a:extLst>
               <a:ext uri="{FF2B5EF4-FFF2-40B4-BE49-F238E27FC236}">
-                <a16:creationId xmlns:a16="http://schemas.microsoft.com/office/drawing/2014/main" id="{6C399CB8-FC86-464E-A358-721169660B49}"/>
+                <a16:creationId xmlns:a16="http://schemas.microsoft.com/office/drawing/2014/main" xmlns="" id="{6C399CB8-FC86-464E-A358-721169660B49}"/>
               </a:ext>
             </a:extLst>
           </p:cNvPr>
@@ -3614,7 +4110,7 @@
           <p:cNvPr id="15" name="Connector: Elbow 14">
             <a:extLst>
               <a:ext uri="{FF2B5EF4-FFF2-40B4-BE49-F238E27FC236}">
-                <a16:creationId xmlns:a16="http://schemas.microsoft.com/office/drawing/2014/main" id="{9B6C79A8-60B2-4919-91ED-FBA746423DA6}"/>
+                <a16:creationId xmlns:a16="http://schemas.microsoft.com/office/drawing/2014/main" xmlns="" id="{9B6C79A8-60B2-4919-91ED-FBA746423DA6}"/>
               </a:ext>
             </a:extLst>
           </p:cNvPr>
@@ -3660,7 +4156,7 @@
           <p:cNvPr id="19" name="TextBox 18">
             <a:extLst>
               <a:ext uri="{FF2B5EF4-FFF2-40B4-BE49-F238E27FC236}">
-                <a16:creationId xmlns:a16="http://schemas.microsoft.com/office/drawing/2014/main" id="{99E65487-6E5E-4CE4-B6D5-5F9BF72F13B1}"/>
+                <a16:creationId xmlns:a16="http://schemas.microsoft.com/office/drawing/2014/main" xmlns="" id="{99E65487-6E5E-4CE4-B6D5-5F9BF72F13B1}"/>
               </a:ext>
             </a:extLst>
           </p:cNvPr>
@@ -3695,7 +4191,7 @@
           <p:cNvPr id="21" name="Picture 20" descr="A picture containing drawing&#10;&#10;Description automatically generated">
             <a:extLst>
               <a:ext uri="{FF2B5EF4-FFF2-40B4-BE49-F238E27FC236}">
-                <a16:creationId xmlns:a16="http://schemas.microsoft.com/office/drawing/2014/main" id="{7B793022-AC4F-4EB4-A7F2-DFCEF26E5822}"/>
+                <a16:creationId xmlns:a16="http://schemas.microsoft.com/office/drawing/2014/main" xmlns="" id="{7B793022-AC4F-4EB4-A7F2-DFCEF26E5822}"/>
               </a:ext>
             </a:extLst>
           </p:cNvPr>
@@ -3731,7 +4227,7 @@
           <p:cNvPr id="22" name="TextBox 21">
             <a:extLst>
               <a:ext uri="{FF2B5EF4-FFF2-40B4-BE49-F238E27FC236}">
-                <a16:creationId xmlns:a16="http://schemas.microsoft.com/office/drawing/2014/main" id="{7A46C3FC-13F9-4107-ABEE-2E8837460E75}"/>
+                <a16:creationId xmlns:a16="http://schemas.microsoft.com/office/drawing/2014/main" xmlns="" id="{7A46C3FC-13F9-4107-ABEE-2E8837460E75}"/>
               </a:ext>
             </a:extLst>
           </p:cNvPr>
@@ -3767,7 +4263,7 @@
           <p:cNvPr id="24" name="Connector: Elbow 23">
             <a:extLst>
               <a:ext uri="{FF2B5EF4-FFF2-40B4-BE49-F238E27FC236}">
-                <a16:creationId xmlns:a16="http://schemas.microsoft.com/office/drawing/2014/main" id="{BCFE686F-323A-4AFD-91CE-ABBD3E94D337}"/>
+                <a16:creationId xmlns:a16="http://schemas.microsoft.com/office/drawing/2014/main" xmlns="" id="{BCFE686F-323A-4AFD-91CE-ABBD3E94D337}"/>
               </a:ext>
             </a:extLst>
           </p:cNvPr>
@@ -3814,7 +4310,7 @@
           <p:cNvPr id="27" name="TextBox 26">
             <a:extLst>
               <a:ext uri="{FF2B5EF4-FFF2-40B4-BE49-F238E27FC236}">
-                <a16:creationId xmlns:a16="http://schemas.microsoft.com/office/drawing/2014/main" id="{77BE6C53-7D8F-46FD-9650-0C8DB9969917}"/>
+                <a16:creationId xmlns:a16="http://schemas.microsoft.com/office/drawing/2014/main" xmlns="" id="{77BE6C53-7D8F-46FD-9650-0C8DB9969917}"/>
               </a:ext>
             </a:extLst>
           </p:cNvPr>
@@ -3849,7 +4345,7 @@
           <p:cNvPr id="29" name="Connector: Elbow 28">
             <a:extLst>
               <a:ext uri="{FF2B5EF4-FFF2-40B4-BE49-F238E27FC236}">
-                <a16:creationId xmlns:a16="http://schemas.microsoft.com/office/drawing/2014/main" id="{D081EE12-A3EA-44C8-8900-57A48492C2FD}"/>
+                <a16:creationId xmlns:a16="http://schemas.microsoft.com/office/drawing/2014/main" xmlns="" id="{D081EE12-A3EA-44C8-8900-57A48492C2FD}"/>
               </a:ext>
             </a:extLst>
           </p:cNvPr>
@@ -3893,7 +4389,7 @@
           <p:cNvPr id="31" name="TextBox 30">
             <a:extLst>
               <a:ext uri="{FF2B5EF4-FFF2-40B4-BE49-F238E27FC236}">
-                <a16:creationId xmlns:a16="http://schemas.microsoft.com/office/drawing/2014/main" id="{10D00E24-0EF5-4B5F-8F0A-F864C6D797BA}"/>
+                <a16:creationId xmlns:a16="http://schemas.microsoft.com/office/drawing/2014/main" xmlns="" id="{10D00E24-0EF5-4B5F-8F0A-F864C6D797BA}"/>
               </a:ext>
             </a:extLst>
           </p:cNvPr>
@@ -3928,7 +4424,7 @@
           <p:cNvPr id="33" name="Picture 32" descr="A close up of a logo&#10;&#10;Description automatically generated">
             <a:extLst>
               <a:ext uri="{FF2B5EF4-FFF2-40B4-BE49-F238E27FC236}">
-                <a16:creationId xmlns:a16="http://schemas.microsoft.com/office/drawing/2014/main" id="{58E2D9D0-4CCB-4040-962A-788A53B5B2E9}"/>
+                <a16:creationId xmlns:a16="http://schemas.microsoft.com/office/drawing/2014/main" xmlns="" id="{58E2D9D0-4CCB-4040-962A-788A53B5B2E9}"/>
               </a:ext>
             </a:extLst>
           </p:cNvPr>
@@ -3964,7 +4460,7 @@
           <p:cNvPr id="35" name="Straight Arrow Connector 34">
             <a:extLst>
               <a:ext uri="{FF2B5EF4-FFF2-40B4-BE49-F238E27FC236}">
-                <a16:creationId xmlns:a16="http://schemas.microsoft.com/office/drawing/2014/main" id="{7ADDB6F4-3B18-443D-AC90-ECF39F4C0C79}"/>
+                <a16:creationId xmlns:a16="http://schemas.microsoft.com/office/drawing/2014/main" xmlns="" id="{7ADDB6F4-3B18-443D-AC90-ECF39F4C0C79}"/>
               </a:ext>
             </a:extLst>
           </p:cNvPr>
@@ -4009,7 +4505,7 @@
           <p:cNvPr id="38" name="Connector: Elbow 37">
             <a:extLst>
               <a:ext uri="{FF2B5EF4-FFF2-40B4-BE49-F238E27FC236}">
-                <a16:creationId xmlns:a16="http://schemas.microsoft.com/office/drawing/2014/main" id="{1A947E38-ED80-422B-9F3C-701225CC8832}"/>
+                <a16:creationId xmlns:a16="http://schemas.microsoft.com/office/drawing/2014/main" xmlns="" id="{1A947E38-ED80-422B-9F3C-701225CC8832}"/>
               </a:ext>
             </a:extLst>
           </p:cNvPr>
@@ -4055,7 +4551,7 @@
           <p:cNvPr id="42" name="TextBox 41">
             <a:extLst>
               <a:ext uri="{FF2B5EF4-FFF2-40B4-BE49-F238E27FC236}">
-                <a16:creationId xmlns:a16="http://schemas.microsoft.com/office/drawing/2014/main" id="{2EFF7A55-1310-46A9-9DE7-02FC7AD567D8}"/>
+                <a16:creationId xmlns:a16="http://schemas.microsoft.com/office/drawing/2014/main" xmlns="" id="{2EFF7A55-1310-46A9-9DE7-02FC7AD567D8}"/>
               </a:ext>
             </a:extLst>
           </p:cNvPr>
@@ -4090,7 +4586,7 @@
           <p:cNvPr id="43" name="TextBox 42">
             <a:extLst>
               <a:ext uri="{FF2B5EF4-FFF2-40B4-BE49-F238E27FC236}">
-                <a16:creationId xmlns:a16="http://schemas.microsoft.com/office/drawing/2014/main" id="{9558C273-9D6C-4E9E-93D3-44BF2F8DE8BA}"/>
+                <a16:creationId xmlns:a16="http://schemas.microsoft.com/office/drawing/2014/main" xmlns="" id="{9558C273-9D6C-4E9E-93D3-44BF2F8DE8BA}"/>
               </a:ext>
             </a:extLst>
           </p:cNvPr>
@@ -4126,7 +4622,7 @@
           <p:cNvPr id="44" name="TextBox 43">
             <a:extLst>
               <a:ext uri="{FF2B5EF4-FFF2-40B4-BE49-F238E27FC236}">
-                <a16:creationId xmlns:a16="http://schemas.microsoft.com/office/drawing/2014/main" id="{49E56F8A-1ACE-4557-96DA-3F72EA569EB0}"/>
+                <a16:creationId xmlns:a16="http://schemas.microsoft.com/office/drawing/2014/main" xmlns="" id="{49E56F8A-1ACE-4557-96DA-3F72EA569EB0}"/>
               </a:ext>
             </a:extLst>
           </p:cNvPr>
@@ -4162,7 +4658,7 @@
           <p:cNvPr id="45" name="TextBox 44">
             <a:extLst>
               <a:ext uri="{FF2B5EF4-FFF2-40B4-BE49-F238E27FC236}">
-                <a16:creationId xmlns:a16="http://schemas.microsoft.com/office/drawing/2014/main" id="{5FFF2607-4B6E-41E6-9E2B-3BE59E38F87A}"/>
+                <a16:creationId xmlns:a16="http://schemas.microsoft.com/office/drawing/2014/main" xmlns="" id="{5FFF2607-4B6E-41E6-9E2B-3BE59E38F87A}"/>
               </a:ext>
             </a:extLst>
           </p:cNvPr>
@@ -4198,7 +4694,7 @@
           <p:cNvPr id="46" name="TextBox 45">
             <a:extLst>
               <a:ext uri="{FF2B5EF4-FFF2-40B4-BE49-F238E27FC236}">
-                <a16:creationId xmlns:a16="http://schemas.microsoft.com/office/drawing/2014/main" id="{E966D55F-B69D-4D4F-B9C1-F06A6A41FEC3}"/>
+                <a16:creationId xmlns:a16="http://schemas.microsoft.com/office/drawing/2014/main" xmlns="" id="{E966D55F-B69D-4D4F-B9C1-F06A6A41FEC3}"/>
               </a:ext>
             </a:extLst>
           </p:cNvPr>
@@ -4285,7 +4781,7 @@
     </a:clrScheme>
     <a:fontScheme name="Office">
       <a:majorFont>
-        <a:latin typeface="Calibri Light" panose="020F0302020204030204"/>
+        <a:latin typeface="Calibri Light"/>
         <a:ea typeface=""/>
         <a:cs typeface=""/>
         <a:font script="Jpan" typeface="游ゴシック Light"/>
@@ -4337,7 +4833,7 @@
         <a:font script="Tfng" typeface="Ebrima"/>
       </a:majorFont>
       <a:minorFont>
-        <a:latin typeface="Calibri" panose="020F0502020204030204"/>
+        <a:latin typeface="Calibri"/>
         <a:ea typeface=""/>
         <a:cs typeface=""/>
         <a:font script="Jpan" typeface="游ゴシック"/>
@@ -4531,7 +5027,7 @@
   <a:extraClrSchemeLst/>
   <a:extLst>
     <a:ext uri="{05A4C25C-085E-4340-85A3-A5531E510DB2}">
-      <thm15:themeFamily xmlns:thm15="http://schemas.microsoft.com/office/thememl/2012/main" name="Office Theme" id="{62F939B6-93AF-4DB8-9C6B-D6C7DFDC589F}" vid="{4A3C46E8-61CC-4603-A589-7422A47A8E4A}"/>
+      <thm15:themeFamily xmlns:thm15="http://schemas.microsoft.com/office/thememl/2012/main" xmlns="" name="Office Theme" id="{62F939B6-93AF-4DB8-9C6B-D6C7DFDC589F}" vid="{4A3C46E8-61CC-4603-A589-7422A47A8E4A}"/>
     </a:ext>
   </a:extLst>
 </a:theme>
